--- a/modules/Abundance/MarkRecap/MarkRecap.pptx
+++ b/modules/Abundance/MarkRecap/MarkRecap.pptx
@@ -5,7 +5,7 @@
     <p:sldMasterId id="2147483648" r:id="rId1"/>
   </p:sldMasterIdLst>
   <p:notesMasterIdLst>
-    <p:notesMasterId r:id="rId20"/>
+    <p:notesMasterId r:id="rId15"/>
   </p:notesMasterIdLst>
   <p:sldIdLst>
     <p:sldId id="305" r:id="rId2"/>
@@ -21,11 +21,6 @@
     <p:sldId id="298" r:id="rId12"/>
     <p:sldId id="286" r:id="rId13"/>
     <p:sldId id="290" r:id="rId14"/>
-    <p:sldId id="336" r:id="rId15"/>
-    <p:sldId id="337" r:id="rId16"/>
-    <p:sldId id="338" r:id="rId17"/>
-    <p:sldId id="339" r:id="rId18"/>
-    <p:sldId id="341" r:id="rId19"/>
   </p:sldIdLst>
   <p:sldSz cx="9144000" cy="6858000" type="screen4x3"/>
   <p:notesSz cx="6858000" cy="9144000"/>
@@ -6833,2015 +6828,6 @@
       <p:bldP spid="345091" grpId="0" build="p"/>
       <p:bldP spid="345094" grpId="0"/>
     </p:bldLst>
-  </p:timing>
-</p:sld>
-</file>
-
-<file path=ppt/slides/slide14.xml><?xml version="1.0" encoding="utf-8"?>
-<p:sld xmlns:a="http://schemas.openxmlformats.org/drawingml/2006/main" xmlns:r="http://schemas.openxmlformats.org/officeDocument/2006/relationships" xmlns:p="http://schemas.openxmlformats.org/presentationml/2006/main">
-  <p:cSld>
-    <p:spTree>
-      <p:nvGrpSpPr>
-        <p:cNvPr id="1" name=""/>
-        <p:cNvGrpSpPr/>
-        <p:nvPr/>
-      </p:nvGrpSpPr>
-      <p:grpSpPr>
-        <a:xfrm>
-          <a:off x="0" y="0"/>
-          <a:ext cx="0" cy="0"/>
-          <a:chOff x="0" y="0"/>
-          <a:chExt cx="0" cy="0"/>
-        </a:xfrm>
-      </p:grpSpPr>
-      <p:sp>
-        <p:nvSpPr>
-          <p:cNvPr id="4" name="Footer Placeholder 3"/>
-          <p:cNvSpPr>
-            <a:spLocks noGrp="1"/>
-          </p:cNvSpPr>
-          <p:nvPr>
-            <p:ph type="ftr" sz="quarter" idx="10"/>
-          </p:nvPr>
-        </p:nvSpPr>
-        <p:spPr/>
-        <p:txBody>
-          <a:bodyPr/>
-          <a:lstStyle/>
-          <a:p>
-            <a:r>
-              <a:rPr lang="en-US" smtClean="0"/>
-              <a:t>Abundance</a:t>
-            </a:r>
-            <a:endParaRPr lang="en-US"/>
-          </a:p>
-        </p:txBody>
-      </p:sp>
-      <p:sp>
-        <p:nvSpPr>
-          <p:cNvPr id="5" name="Slide Number Placeholder 4"/>
-          <p:cNvSpPr>
-            <a:spLocks noGrp="1"/>
-          </p:cNvSpPr>
-          <p:nvPr>
-            <p:ph type="sldNum" sz="quarter" idx="11"/>
-          </p:nvPr>
-        </p:nvSpPr>
-        <p:spPr/>
-        <p:txBody>
-          <a:bodyPr/>
-          <a:lstStyle/>
-          <a:p>
-            <a:fld id="{A5BEB2CB-A00F-458D-8A7E-AD4338500CCE}" type="slidenum">
-              <a:rPr lang="en-US"/>
-              <a:pPr/>
-              <a:t>14</a:t>
-            </a:fld>
-            <a:endParaRPr lang="en-US"/>
-          </a:p>
-        </p:txBody>
-      </p:sp>
-      <p:sp>
-        <p:nvSpPr>
-          <p:cNvPr id="135170" name="Rectangle 2"/>
-          <p:cNvSpPr>
-            <a:spLocks noGrp="1" noChangeArrowheads="1"/>
-          </p:cNvSpPr>
-          <p:nvPr>
-            <p:ph type="title"/>
-          </p:nvPr>
-        </p:nvSpPr>
-        <p:spPr/>
-        <p:txBody>
-          <a:bodyPr/>
-          <a:lstStyle/>
-          <a:p>
-            <a:r>
-              <a:rPr lang="en-US"/>
-              <a:t>Capture History Format</a:t>
-            </a:r>
-          </a:p>
-        </p:txBody>
-      </p:sp>
-      <p:sp>
-        <p:nvSpPr>
-          <p:cNvPr id="135171" name="Rectangle 3"/>
-          <p:cNvSpPr>
-            <a:spLocks noGrp="1" noChangeArrowheads="1"/>
-          </p:cNvSpPr>
-          <p:nvPr>
-            <p:ph type="body" idx="1"/>
-          </p:nvPr>
-        </p:nvSpPr>
-        <p:spPr/>
-        <p:txBody>
-          <a:bodyPr/>
-          <a:lstStyle/>
-          <a:p>
-            <a:r>
-              <a:rPr lang="en-US" dirty="0"/>
-              <a:t>A </a:t>
-            </a:r>
-            <a:r>
-              <a:rPr lang="en-US" dirty="0" smtClean="0"/>
-              <a:t>matrix</a:t>
-            </a:r>
-          </a:p>
-          <a:p>
-            <a:pPr lvl="1"/>
-            <a:r>
-              <a:rPr lang="en-US" dirty="0" smtClean="0"/>
-              <a:t>rows are </a:t>
-            </a:r>
-            <a:r>
-              <a:rPr lang="en-US" dirty="0"/>
-              <a:t>individual </a:t>
-            </a:r>
-            <a:r>
-              <a:rPr lang="en-US" dirty="0" smtClean="0"/>
-              <a:t>fish</a:t>
-            </a:r>
-          </a:p>
-          <a:p>
-            <a:pPr lvl="1"/>
-            <a:r>
-              <a:rPr lang="en-US" dirty="0" smtClean="0"/>
-              <a:t>columns are </a:t>
-            </a:r>
-            <a:r>
-              <a:rPr lang="en-US" dirty="0"/>
-              <a:t>capture events.</a:t>
-            </a:r>
-          </a:p>
-          <a:p>
-            <a:r>
-              <a:rPr lang="en-US" dirty="0"/>
-              <a:t>Each cell contains a …</a:t>
-            </a:r>
-          </a:p>
-          <a:p>
-            <a:pPr lvl="1"/>
-            <a:r>
-              <a:rPr lang="en-US" dirty="0"/>
-              <a:t>“</a:t>
-            </a:r>
-            <a:r>
-              <a:rPr lang="en-US" b="1" dirty="0">
-                <a:solidFill>
-                  <a:srgbClr val="FF0000"/>
-                </a:solidFill>
-              </a:rPr>
-              <a:t>1</a:t>
-            </a:r>
-            <a:r>
-              <a:rPr lang="en-US" dirty="0"/>
-              <a:t>” if the fish was </a:t>
-            </a:r>
-            <a:r>
-              <a:rPr lang="en-US" dirty="0" smtClean="0"/>
-              <a:t>captured</a:t>
-            </a:r>
-            <a:endParaRPr lang="en-US" dirty="0"/>
-          </a:p>
-          <a:p>
-            <a:pPr lvl="1"/>
-            <a:r>
-              <a:rPr lang="en-US" dirty="0"/>
-              <a:t>“</a:t>
-            </a:r>
-            <a:r>
-              <a:rPr lang="en-US" b="1" dirty="0">
-                <a:solidFill>
-                  <a:srgbClr val="FF0000"/>
-                </a:solidFill>
-              </a:rPr>
-              <a:t>0</a:t>
-            </a:r>
-            <a:r>
-              <a:rPr lang="en-US" dirty="0"/>
-              <a:t>” if the fish was not </a:t>
-            </a:r>
-            <a:r>
-              <a:rPr lang="en-US" dirty="0" smtClean="0"/>
-              <a:t>captured </a:t>
-            </a:r>
-            <a:r>
-              <a:rPr lang="en-US" dirty="0"/>
-              <a:t>(but was captured </a:t>
-            </a:r>
-            <a:r>
-              <a:rPr lang="en-US" dirty="0" smtClean="0"/>
-              <a:t>sometime)</a:t>
-            </a:r>
-            <a:endParaRPr lang="en-US" dirty="0"/>
-          </a:p>
-        </p:txBody>
-      </p:sp>
-    </p:spTree>
-    <p:extLst>
-      <p:ext uri="{BB962C8B-B14F-4D97-AF65-F5344CB8AC3E}">
-        <p14:creationId xmlns:p14="http://schemas.microsoft.com/office/powerpoint/2010/main" val="2882197141"/>
-      </p:ext>
-    </p:extLst>
-  </p:cSld>
-  <p:clrMapOvr>
-    <a:masterClrMapping/>
-  </p:clrMapOvr>
-  <p:timing>
-    <p:tnLst>
-      <p:par>
-        <p:cTn id="1" dur="indefinite" restart="never" nodeType="tmRoot">
-          <p:childTnLst>
-            <p:seq concurrent="1" nextAc="seek">
-              <p:cTn id="2" dur="indefinite" nodeType="mainSeq">
-                <p:childTnLst>
-                  <p:par>
-                    <p:cTn id="3" fill="hold">
-                      <p:stCondLst>
-                        <p:cond delay="indefinite"/>
-                      </p:stCondLst>
-                      <p:childTnLst>
-                        <p:par>
-                          <p:cTn id="4" fill="hold">
-                            <p:stCondLst>
-                              <p:cond delay="0"/>
-                            </p:stCondLst>
-                            <p:childTnLst>
-                              <p:par>
-                                <p:cTn id="5" presetID="1" presetClass="entr" presetSubtype="0" fill="hold" grpId="0" nodeType="clickEffect">
-                                  <p:stCondLst>
-                                    <p:cond delay="0"/>
-                                  </p:stCondLst>
-                                  <p:childTnLst>
-                                    <p:set>
-                                      <p:cBhvr>
-                                        <p:cTn id="6" dur="1" fill="hold">
-                                          <p:stCondLst>
-                                            <p:cond delay="0"/>
-                                          </p:stCondLst>
-                                        </p:cTn>
-                                        <p:tgtEl>
-                                          <p:spTgt spid="135171">
-                                            <p:txEl>
-                                              <p:pRg st="3" end="3"/>
-                                            </p:txEl>
-                                          </p:spTgt>
-                                        </p:tgtEl>
-                                        <p:attrNameLst>
-                                          <p:attrName>style.visibility</p:attrName>
-                                        </p:attrNameLst>
-                                      </p:cBhvr>
-                                      <p:to>
-                                        <p:strVal val="visible"/>
-                                      </p:to>
-                                    </p:set>
-                                  </p:childTnLst>
-                                </p:cTn>
-                              </p:par>
-                            </p:childTnLst>
-                          </p:cTn>
-                        </p:par>
-                      </p:childTnLst>
-                    </p:cTn>
-                  </p:par>
-                  <p:par>
-                    <p:cTn id="7" fill="hold">
-                      <p:stCondLst>
-                        <p:cond delay="indefinite"/>
-                      </p:stCondLst>
-                      <p:childTnLst>
-                        <p:par>
-                          <p:cTn id="8" fill="hold">
-                            <p:stCondLst>
-                              <p:cond delay="0"/>
-                            </p:stCondLst>
-                            <p:childTnLst>
-                              <p:par>
-                                <p:cTn id="9" presetID="1" presetClass="entr" presetSubtype="0" fill="hold" grpId="0" nodeType="clickEffect">
-                                  <p:stCondLst>
-                                    <p:cond delay="0"/>
-                                  </p:stCondLst>
-                                  <p:childTnLst>
-                                    <p:set>
-                                      <p:cBhvr>
-                                        <p:cTn id="10" dur="1" fill="hold">
-                                          <p:stCondLst>
-                                            <p:cond delay="0"/>
-                                          </p:stCondLst>
-                                        </p:cTn>
-                                        <p:tgtEl>
-                                          <p:spTgt spid="135171">
-                                            <p:txEl>
-                                              <p:pRg st="4" end="4"/>
-                                            </p:txEl>
-                                          </p:spTgt>
-                                        </p:tgtEl>
-                                        <p:attrNameLst>
-                                          <p:attrName>style.visibility</p:attrName>
-                                        </p:attrNameLst>
-                                      </p:cBhvr>
-                                      <p:to>
-                                        <p:strVal val="visible"/>
-                                      </p:to>
-                                    </p:set>
-                                  </p:childTnLst>
-                                </p:cTn>
-                              </p:par>
-                            </p:childTnLst>
-                          </p:cTn>
-                        </p:par>
-                      </p:childTnLst>
-                    </p:cTn>
-                  </p:par>
-                  <p:par>
-                    <p:cTn id="11" fill="hold">
-                      <p:stCondLst>
-                        <p:cond delay="indefinite"/>
-                      </p:stCondLst>
-                      <p:childTnLst>
-                        <p:par>
-                          <p:cTn id="12" fill="hold">
-                            <p:stCondLst>
-                              <p:cond delay="0"/>
-                            </p:stCondLst>
-                            <p:childTnLst>
-                              <p:par>
-                                <p:cTn id="13" presetID="1" presetClass="entr" presetSubtype="0" fill="hold" grpId="0" nodeType="clickEffect">
-                                  <p:stCondLst>
-                                    <p:cond delay="0"/>
-                                  </p:stCondLst>
-                                  <p:childTnLst>
-                                    <p:set>
-                                      <p:cBhvr>
-                                        <p:cTn id="14" dur="1" fill="hold">
-                                          <p:stCondLst>
-                                            <p:cond delay="0"/>
-                                          </p:stCondLst>
-                                        </p:cTn>
-                                        <p:tgtEl>
-                                          <p:spTgt spid="135171">
-                                            <p:txEl>
-                                              <p:pRg st="5" end="5"/>
-                                            </p:txEl>
-                                          </p:spTgt>
-                                        </p:tgtEl>
-                                        <p:attrNameLst>
-                                          <p:attrName>style.visibility</p:attrName>
-                                        </p:attrNameLst>
-                                      </p:cBhvr>
-                                      <p:to>
-                                        <p:strVal val="visible"/>
-                                      </p:to>
-                                    </p:set>
-                                  </p:childTnLst>
-                                </p:cTn>
-                              </p:par>
-                            </p:childTnLst>
-                          </p:cTn>
-                        </p:par>
-                      </p:childTnLst>
-                    </p:cTn>
-                  </p:par>
-                </p:childTnLst>
-              </p:cTn>
-              <p:prevCondLst>
-                <p:cond evt="onPrev" delay="0">
-                  <p:tgtEl>
-                    <p:sldTgt/>
-                  </p:tgtEl>
-                </p:cond>
-              </p:prevCondLst>
-              <p:nextCondLst>
-                <p:cond evt="onNext" delay="0">
-                  <p:tgtEl>
-                    <p:sldTgt/>
-                  </p:tgtEl>
-                </p:cond>
-              </p:nextCondLst>
-            </p:seq>
-          </p:childTnLst>
-        </p:cTn>
-      </p:par>
-    </p:tnLst>
-    <p:bldLst>
-      <p:bldP spid="135171" grpId="0" build="p"/>
-    </p:bldLst>
-  </p:timing>
-</p:sld>
-</file>
-
-<file path=ppt/slides/slide15.xml><?xml version="1.0" encoding="utf-8"?>
-<p:sld xmlns:a="http://schemas.openxmlformats.org/drawingml/2006/main" xmlns:r="http://schemas.openxmlformats.org/officeDocument/2006/relationships" xmlns:p="http://schemas.openxmlformats.org/presentationml/2006/main">
-  <p:cSld>
-    <p:spTree>
-      <p:nvGrpSpPr>
-        <p:cNvPr id="1" name=""/>
-        <p:cNvGrpSpPr/>
-        <p:nvPr/>
-      </p:nvGrpSpPr>
-      <p:grpSpPr>
-        <a:xfrm>
-          <a:off x="0" y="0"/>
-          <a:ext cx="0" cy="0"/>
-          <a:chOff x="0" y="0"/>
-          <a:chExt cx="0" cy="0"/>
-        </a:xfrm>
-      </p:grpSpPr>
-      <p:sp>
-        <p:nvSpPr>
-          <p:cNvPr id="4" name="Footer Placeholder 3"/>
-          <p:cNvSpPr>
-            <a:spLocks noGrp="1"/>
-          </p:cNvSpPr>
-          <p:nvPr>
-            <p:ph type="ftr" sz="quarter" idx="10"/>
-          </p:nvPr>
-        </p:nvSpPr>
-        <p:spPr/>
-        <p:txBody>
-          <a:bodyPr/>
-          <a:lstStyle/>
-          <a:p>
-            <a:r>
-              <a:rPr lang="en-US" smtClean="0"/>
-              <a:t>Abundance</a:t>
-            </a:r>
-            <a:endParaRPr lang="en-US"/>
-          </a:p>
-        </p:txBody>
-      </p:sp>
-      <p:sp>
-        <p:nvSpPr>
-          <p:cNvPr id="5" name="Slide Number Placeholder 4"/>
-          <p:cNvSpPr>
-            <a:spLocks noGrp="1"/>
-          </p:cNvSpPr>
-          <p:nvPr>
-            <p:ph type="sldNum" sz="quarter" idx="11"/>
-          </p:nvPr>
-        </p:nvSpPr>
-        <p:spPr/>
-        <p:txBody>
-          <a:bodyPr/>
-          <a:lstStyle/>
-          <a:p>
-            <a:fld id="{7AFCAEC2-EF81-4358-9396-F6993BD6841A}" type="slidenum">
-              <a:rPr lang="en-US"/>
-              <a:pPr/>
-              <a:t>15</a:t>
-            </a:fld>
-            <a:endParaRPr lang="en-US"/>
-          </a:p>
-        </p:txBody>
-      </p:sp>
-      <p:sp>
-        <p:nvSpPr>
-          <p:cNvPr id="137218" name="Rectangle 2"/>
-          <p:cNvSpPr>
-            <a:spLocks noGrp="1" noChangeArrowheads="1"/>
-          </p:cNvSpPr>
-          <p:nvPr>
-            <p:ph type="title"/>
-          </p:nvPr>
-        </p:nvSpPr>
-        <p:spPr/>
-        <p:txBody>
-          <a:bodyPr/>
-          <a:lstStyle/>
-          <a:p>
-            <a:r>
-              <a:rPr lang="en-US"/>
-              <a:t>Capture History – Example #1</a:t>
-            </a:r>
-          </a:p>
-        </p:txBody>
-      </p:sp>
-      <p:sp>
-        <p:nvSpPr>
-          <p:cNvPr id="137219" name="Rectangle 3"/>
-          <p:cNvSpPr>
-            <a:spLocks noGrp="1" noChangeArrowheads="1"/>
-          </p:cNvSpPr>
-          <p:nvPr>
-            <p:ph type="body" idx="1"/>
-          </p:nvPr>
-        </p:nvSpPr>
-        <p:spPr>
-          <a:xfrm>
-            <a:off x="152400" y="1143000"/>
-            <a:ext cx="8839200" cy="5334000"/>
-          </a:xfrm>
-        </p:spPr>
-        <p:txBody>
-          <a:bodyPr/>
-          <a:lstStyle/>
-          <a:p>
-            <a:r>
-              <a:rPr lang="en-US" dirty="0"/>
-              <a:t>Suppose that a researcher captured and individually marked 75 fish on day 1.  Two days later, a total of 100 fish were captured of which 25 were marked.</a:t>
-            </a:r>
-          </a:p>
-          <a:p>
-            <a:pPr lvl="1"/>
-            <a:r>
-              <a:rPr lang="en-US" dirty="0"/>
-              <a:t>How many columns in the capture history matrix?</a:t>
-            </a:r>
-          </a:p>
-          <a:p>
-            <a:pPr lvl="1"/>
-            <a:r>
-              <a:rPr lang="en-US" dirty="0"/>
-              <a:t>How many rows in the capture history matrix?</a:t>
-            </a:r>
-          </a:p>
-          <a:p>
-            <a:pPr lvl="1"/>
-            <a:r>
-              <a:rPr lang="en-US" dirty="0"/>
-              <a:t>What does a row look like for …</a:t>
-            </a:r>
-          </a:p>
-          <a:p>
-            <a:pPr lvl="2"/>
-            <a:r>
-              <a:rPr lang="en-US" dirty="0"/>
-              <a:t>… a fish captured in both samples?</a:t>
-            </a:r>
-          </a:p>
-          <a:p>
-            <a:pPr lvl="2"/>
-            <a:r>
-              <a:rPr lang="en-US" dirty="0"/>
-              <a:t>… a fish captured in the first but not the second?</a:t>
-            </a:r>
-          </a:p>
-          <a:p>
-            <a:pPr lvl="2"/>
-            <a:r>
-              <a:rPr lang="en-US" dirty="0"/>
-              <a:t>… a fish captured in the second but not the first?</a:t>
-            </a:r>
-          </a:p>
-          <a:p>
-            <a:pPr lvl="2"/>
-            <a:r>
-              <a:rPr lang="en-US" dirty="0"/>
-              <a:t>… a fish captured in neither sample?</a:t>
-            </a:r>
-          </a:p>
-        </p:txBody>
-      </p:sp>
-    </p:spTree>
-    <p:extLst>
-      <p:ext uri="{BB962C8B-B14F-4D97-AF65-F5344CB8AC3E}">
-        <p14:creationId xmlns:p14="http://schemas.microsoft.com/office/powerpoint/2010/main" val="1789359461"/>
-      </p:ext>
-    </p:extLst>
-  </p:cSld>
-  <p:clrMapOvr>
-    <a:masterClrMapping/>
-  </p:clrMapOvr>
-  <p:timing>
-    <p:tnLst>
-      <p:par>
-        <p:cTn id="1" dur="indefinite" restart="never" nodeType="tmRoot">
-          <p:childTnLst>
-            <p:seq concurrent="1" nextAc="seek">
-              <p:cTn id="2" dur="indefinite" nodeType="mainSeq">
-                <p:childTnLst>
-                  <p:par>
-                    <p:cTn id="3" fill="hold">
-                      <p:stCondLst>
-                        <p:cond delay="indefinite"/>
-                      </p:stCondLst>
-                      <p:childTnLst>
-                        <p:par>
-                          <p:cTn id="4" fill="hold">
-                            <p:stCondLst>
-                              <p:cond delay="0"/>
-                            </p:stCondLst>
-                            <p:childTnLst>
-                              <p:par>
-                                <p:cTn id="5" presetID="1" presetClass="entr" presetSubtype="0" fill="hold" nodeType="clickEffect">
-                                  <p:stCondLst>
-                                    <p:cond delay="0"/>
-                                  </p:stCondLst>
-                                  <p:childTnLst>
-                                    <p:set>
-                                      <p:cBhvr>
-                                        <p:cTn id="6" dur="1" fill="hold">
-                                          <p:stCondLst>
-                                            <p:cond delay="0"/>
-                                          </p:stCondLst>
-                                        </p:cTn>
-                                        <p:tgtEl>
-                                          <p:spTgt spid="137219">
-                                            <p:txEl>
-                                              <p:pRg st="1" end="1"/>
-                                            </p:txEl>
-                                          </p:spTgt>
-                                        </p:tgtEl>
-                                        <p:attrNameLst>
-                                          <p:attrName>style.visibility</p:attrName>
-                                        </p:attrNameLst>
-                                      </p:cBhvr>
-                                      <p:to>
-                                        <p:strVal val="visible"/>
-                                      </p:to>
-                                    </p:set>
-                                  </p:childTnLst>
-                                </p:cTn>
-                              </p:par>
-                            </p:childTnLst>
-                          </p:cTn>
-                        </p:par>
-                      </p:childTnLst>
-                    </p:cTn>
-                  </p:par>
-                  <p:par>
-                    <p:cTn id="7" fill="hold">
-                      <p:stCondLst>
-                        <p:cond delay="indefinite"/>
-                      </p:stCondLst>
-                      <p:childTnLst>
-                        <p:par>
-                          <p:cTn id="8" fill="hold">
-                            <p:stCondLst>
-                              <p:cond delay="0"/>
-                            </p:stCondLst>
-                            <p:childTnLst>
-                              <p:par>
-                                <p:cTn id="9" presetID="1" presetClass="entr" presetSubtype="0" fill="hold" grpId="0" nodeType="clickEffect">
-                                  <p:stCondLst>
-                                    <p:cond delay="0"/>
-                                  </p:stCondLst>
-                                  <p:childTnLst>
-                                    <p:set>
-                                      <p:cBhvr>
-                                        <p:cTn id="10" dur="1" fill="hold">
-                                          <p:stCondLst>
-                                            <p:cond delay="0"/>
-                                          </p:stCondLst>
-                                        </p:cTn>
-                                        <p:tgtEl>
-                                          <p:spTgt spid="137219">
-                                            <p:txEl>
-                                              <p:pRg st="2" end="2"/>
-                                            </p:txEl>
-                                          </p:spTgt>
-                                        </p:tgtEl>
-                                        <p:attrNameLst>
-                                          <p:attrName>style.visibility</p:attrName>
-                                        </p:attrNameLst>
-                                      </p:cBhvr>
-                                      <p:to>
-                                        <p:strVal val="visible"/>
-                                      </p:to>
-                                    </p:set>
-                                  </p:childTnLst>
-                                </p:cTn>
-                              </p:par>
-                            </p:childTnLst>
-                          </p:cTn>
-                        </p:par>
-                      </p:childTnLst>
-                    </p:cTn>
-                  </p:par>
-                  <p:par>
-                    <p:cTn id="11" fill="hold">
-                      <p:stCondLst>
-                        <p:cond delay="indefinite"/>
-                      </p:stCondLst>
-                      <p:childTnLst>
-                        <p:par>
-                          <p:cTn id="12" fill="hold">
-                            <p:stCondLst>
-                              <p:cond delay="0"/>
-                            </p:stCondLst>
-                            <p:childTnLst>
-                              <p:par>
-                                <p:cTn id="13" presetID="1" presetClass="entr" presetSubtype="0" fill="hold" grpId="0" nodeType="clickEffect">
-                                  <p:stCondLst>
-                                    <p:cond delay="0"/>
-                                  </p:stCondLst>
-                                  <p:childTnLst>
-                                    <p:set>
-                                      <p:cBhvr>
-                                        <p:cTn id="14" dur="1" fill="hold">
-                                          <p:stCondLst>
-                                            <p:cond delay="0"/>
-                                          </p:stCondLst>
-                                        </p:cTn>
-                                        <p:tgtEl>
-                                          <p:spTgt spid="137219">
-                                            <p:txEl>
-                                              <p:pRg st="3" end="3"/>
-                                            </p:txEl>
-                                          </p:spTgt>
-                                        </p:tgtEl>
-                                        <p:attrNameLst>
-                                          <p:attrName>style.visibility</p:attrName>
-                                        </p:attrNameLst>
-                                      </p:cBhvr>
-                                      <p:to>
-                                        <p:strVal val="visible"/>
-                                      </p:to>
-                                    </p:set>
-                                  </p:childTnLst>
-                                </p:cTn>
-                              </p:par>
-                            </p:childTnLst>
-                          </p:cTn>
-                        </p:par>
-                        <p:par>
-                          <p:cTn id="15" fill="hold">
-                            <p:stCondLst>
-                              <p:cond delay="0"/>
-                            </p:stCondLst>
-                            <p:childTnLst>
-                              <p:par>
-                                <p:cTn id="16" presetID="1" presetClass="entr" presetSubtype="0" fill="hold" grpId="0" nodeType="afterEffect">
-                                  <p:stCondLst>
-                                    <p:cond delay="0"/>
-                                  </p:stCondLst>
-                                  <p:childTnLst>
-                                    <p:set>
-                                      <p:cBhvr>
-                                        <p:cTn id="17" dur="1" fill="hold">
-                                          <p:stCondLst>
-                                            <p:cond delay="0"/>
-                                          </p:stCondLst>
-                                        </p:cTn>
-                                        <p:tgtEl>
-                                          <p:spTgt spid="137219">
-                                            <p:txEl>
-                                              <p:pRg st="4" end="4"/>
-                                            </p:txEl>
-                                          </p:spTgt>
-                                        </p:tgtEl>
-                                        <p:attrNameLst>
-                                          <p:attrName>style.visibility</p:attrName>
-                                        </p:attrNameLst>
-                                      </p:cBhvr>
-                                      <p:to>
-                                        <p:strVal val="visible"/>
-                                      </p:to>
-                                    </p:set>
-                                  </p:childTnLst>
-                                </p:cTn>
-                              </p:par>
-                            </p:childTnLst>
-                          </p:cTn>
-                        </p:par>
-                      </p:childTnLst>
-                    </p:cTn>
-                  </p:par>
-                  <p:par>
-                    <p:cTn id="18" fill="hold">
-                      <p:stCondLst>
-                        <p:cond delay="indefinite"/>
-                      </p:stCondLst>
-                      <p:childTnLst>
-                        <p:par>
-                          <p:cTn id="19" fill="hold">
-                            <p:stCondLst>
-                              <p:cond delay="0"/>
-                            </p:stCondLst>
-                            <p:childTnLst>
-                              <p:par>
-                                <p:cTn id="20" presetID="1" presetClass="entr" presetSubtype="0" fill="hold" grpId="0" nodeType="clickEffect">
-                                  <p:stCondLst>
-                                    <p:cond delay="0"/>
-                                  </p:stCondLst>
-                                  <p:childTnLst>
-                                    <p:set>
-                                      <p:cBhvr>
-                                        <p:cTn id="21" dur="1" fill="hold">
-                                          <p:stCondLst>
-                                            <p:cond delay="0"/>
-                                          </p:stCondLst>
-                                        </p:cTn>
-                                        <p:tgtEl>
-                                          <p:spTgt spid="137219">
-                                            <p:txEl>
-                                              <p:pRg st="5" end="5"/>
-                                            </p:txEl>
-                                          </p:spTgt>
-                                        </p:tgtEl>
-                                        <p:attrNameLst>
-                                          <p:attrName>style.visibility</p:attrName>
-                                        </p:attrNameLst>
-                                      </p:cBhvr>
-                                      <p:to>
-                                        <p:strVal val="visible"/>
-                                      </p:to>
-                                    </p:set>
-                                  </p:childTnLst>
-                                </p:cTn>
-                              </p:par>
-                            </p:childTnLst>
-                          </p:cTn>
-                        </p:par>
-                      </p:childTnLst>
-                    </p:cTn>
-                  </p:par>
-                  <p:par>
-                    <p:cTn id="22" fill="hold">
-                      <p:stCondLst>
-                        <p:cond delay="indefinite"/>
-                      </p:stCondLst>
-                      <p:childTnLst>
-                        <p:par>
-                          <p:cTn id="23" fill="hold">
-                            <p:stCondLst>
-                              <p:cond delay="0"/>
-                            </p:stCondLst>
-                            <p:childTnLst>
-                              <p:par>
-                                <p:cTn id="24" presetID="1" presetClass="entr" presetSubtype="0" fill="hold" grpId="0" nodeType="clickEffect">
-                                  <p:stCondLst>
-                                    <p:cond delay="0"/>
-                                  </p:stCondLst>
-                                  <p:childTnLst>
-                                    <p:set>
-                                      <p:cBhvr>
-                                        <p:cTn id="25" dur="1" fill="hold">
-                                          <p:stCondLst>
-                                            <p:cond delay="0"/>
-                                          </p:stCondLst>
-                                        </p:cTn>
-                                        <p:tgtEl>
-                                          <p:spTgt spid="137219">
-                                            <p:txEl>
-                                              <p:pRg st="6" end="6"/>
-                                            </p:txEl>
-                                          </p:spTgt>
-                                        </p:tgtEl>
-                                        <p:attrNameLst>
-                                          <p:attrName>style.visibility</p:attrName>
-                                        </p:attrNameLst>
-                                      </p:cBhvr>
-                                      <p:to>
-                                        <p:strVal val="visible"/>
-                                      </p:to>
-                                    </p:set>
-                                  </p:childTnLst>
-                                </p:cTn>
-                              </p:par>
-                            </p:childTnLst>
-                          </p:cTn>
-                        </p:par>
-                      </p:childTnLst>
-                    </p:cTn>
-                  </p:par>
-                  <p:par>
-                    <p:cTn id="26" fill="hold">
-                      <p:stCondLst>
-                        <p:cond delay="indefinite"/>
-                      </p:stCondLst>
-                      <p:childTnLst>
-                        <p:par>
-                          <p:cTn id="27" fill="hold">
-                            <p:stCondLst>
-                              <p:cond delay="0"/>
-                            </p:stCondLst>
-                            <p:childTnLst>
-                              <p:par>
-                                <p:cTn id="28" presetID="1" presetClass="entr" presetSubtype="0" fill="hold" grpId="0" nodeType="clickEffect">
-                                  <p:stCondLst>
-                                    <p:cond delay="0"/>
-                                  </p:stCondLst>
-                                  <p:childTnLst>
-                                    <p:set>
-                                      <p:cBhvr>
-                                        <p:cTn id="29" dur="1" fill="hold">
-                                          <p:stCondLst>
-                                            <p:cond delay="0"/>
-                                          </p:stCondLst>
-                                        </p:cTn>
-                                        <p:tgtEl>
-                                          <p:spTgt spid="137219">
-                                            <p:txEl>
-                                              <p:pRg st="7" end="7"/>
-                                            </p:txEl>
-                                          </p:spTgt>
-                                        </p:tgtEl>
-                                        <p:attrNameLst>
-                                          <p:attrName>style.visibility</p:attrName>
-                                        </p:attrNameLst>
-                                      </p:cBhvr>
-                                      <p:to>
-                                        <p:strVal val="visible"/>
-                                      </p:to>
-                                    </p:set>
-                                  </p:childTnLst>
-                                </p:cTn>
-                              </p:par>
-                            </p:childTnLst>
-                          </p:cTn>
-                        </p:par>
-                      </p:childTnLst>
-                    </p:cTn>
-                  </p:par>
-                </p:childTnLst>
-              </p:cTn>
-              <p:prevCondLst>
-                <p:cond evt="onPrev" delay="0">
-                  <p:tgtEl>
-                    <p:sldTgt/>
-                  </p:tgtEl>
-                </p:cond>
-              </p:prevCondLst>
-              <p:nextCondLst>
-                <p:cond evt="onNext" delay="0">
-                  <p:tgtEl>
-                    <p:sldTgt/>
-                  </p:tgtEl>
-                </p:cond>
-              </p:nextCondLst>
-            </p:seq>
-          </p:childTnLst>
-        </p:cTn>
-      </p:par>
-    </p:tnLst>
-    <p:bldLst>
-      <p:bldP spid="137219" grpId="0" build="p"/>
-    </p:bldLst>
-  </p:timing>
-</p:sld>
-</file>
-
-<file path=ppt/slides/slide16.xml><?xml version="1.0" encoding="utf-8"?>
-<p:sld xmlns:a="http://schemas.openxmlformats.org/drawingml/2006/main" xmlns:r="http://schemas.openxmlformats.org/officeDocument/2006/relationships" xmlns:p="http://schemas.openxmlformats.org/presentationml/2006/main">
-  <p:cSld>
-    <p:spTree>
-      <p:nvGrpSpPr>
-        <p:cNvPr id="1" name=""/>
-        <p:cNvGrpSpPr/>
-        <p:nvPr/>
-      </p:nvGrpSpPr>
-      <p:grpSpPr>
-        <a:xfrm>
-          <a:off x="0" y="0"/>
-          <a:ext cx="0" cy="0"/>
-          <a:chOff x="0" y="0"/>
-          <a:chExt cx="0" cy="0"/>
-        </a:xfrm>
-      </p:grpSpPr>
-      <p:sp>
-        <p:nvSpPr>
-          <p:cNvPr id="4" name="Footer Placeholder 3"/>
-          <p:cNvSpPr>
-            <a:spLocks noGrp="1"/>
-          </p:cNvSpPr>
-          <p:nvPr>
-            <p:ph type="ftr" sz="quarter" idx="10"/>
-          </p:nvPr>
-        </p:nvSpPr>
-        <p:spPr/>
-        <p:txBody>
-          <a:bodyPr/>
-          <a:lstStyle/>
-          <a:p>
-            <a:r>
-              <a:rPr lang="en-US" smtClean="0"/>
-              <a:t>Abundance</a:t>
-            </a:r>
-            <a:endParaRPr lang="en-US"/>
-          </a:p>
-        </p:txBody>
-      </p:sp>
-      <p:sp>
-        <p:nvSpPr>
-          <p:cNvPr id="5" name="Slide Number Placeholder 4"/>
-          <p:cNvSpPr>
-            <a:spLocks noGrp="1"/>
-          </p:cNvSpPr>
-          <p:nvPr>
-            <p:ph type="sldNum" sz="quarter" idx="11"/>
-          </p:nvPr>
-        </p:nvSpPr>
-        <p:spPr/>
-        <p:txBody>
-          <a:bodyPr/>
-          <a:lstStyle/>
-          <a:p>
-            <a:fld id="{A4AFBFBA-A716-4FC7-9CAC-8082667CCAA1}" type="slidenum">
-              <a:rPr lang="en-US"/>
-              <a:pPr/>
-              <a:t>16</a:t>
-            </a:fld>
-            <a:endParaRPr lang="en-US"/>
-          </a:p>
-        </p:txBody>
-      </p:sp>
-      <p:sp>
-        <p:nvSpPr>
-          <p:cNvPr id="138242" name="Rectangle 2"/>
-          <p:cNvSpPr>
-            <a:spLocks noGrp="1" noChangeArrowheads="1"/>
-          </p:cNvSpPr>
-          <p:nvPr>
-            <p:ph type="title"/>
-          </p:nvPr>
-        </p:nvSpPr>
-        <p:spPr/>
-        <p:txBody>
-          <a:bodyPr/>
-          <a:lstStyle/>
-          <a:p>
-            <a:r>
-              <a:rPr lang="en-US"/>
-              <a:t>Capture History – Example #2</a:t>
-            </a:r>
-          </a:p>
-        </p:txBody>
-      </p:sp>
-      <p:sp>
-        <p:nvSpPr>
-          <p:cNvPr id="138243" name="Rectangle 3"/>
-          <p:cNvSpPr>
-            <a:spLocks noGrp="1" noChangeArrowheads="1"/>
-          </p:cNvSpPr>
-          <p:nvPr>
-            <p:ph type="body" idx="1"/>
-          </p:nvPr>
-        </p:nvSpPr>
-        <p:spPr>
-          <a:xfrm>
-            <a:off x="152400" y="1371600"/>
-            <a:ext cx="8991600" cy="5105400"/>
-          </a:xfrm>
-        </p:spPr>
-        <p:txBody>
-          <a:bodyPr/>
-          <a:lstStyle/>
-          <a:p>
-            <a:r>
-              <a:rPr lang="en-US" sz="2800" dirty="0" smtClean="0"/>
-              <a:t>A researcher </a:t>
-            </a:r>
-            <a:r>
-              <a:rPr lang="en-US" sz="2800" dirty="0"/>
-              <a:t>samples a stream weekly for 8 weeks.  </a:t>
-            </a:r>
-            <a:r>
-              <a:rPr lang="en-US" sz="2800" dirty="0" smtClean="0"/>
-              <a:t>What is the capture history row for a fish …</a:t>
-            </a:r>
-          </a:p>
-          <a:p>
-            <a:pPr lvl="1"/>
-            <a:endParaRPr lang="en-US" sz="2400" dirty="0" smtClean="0"/>
-          </a:p>
-          <a:p>
-            <a:pPr lvl="1"/>
-            <a:r>
-              <a:rPr lang="en-US" dirty="0" smtClean="0"/>
-              <a:t>marked </a:t>
-            </a:r>
-            <a:r>
-              <a:rPr lang="en-US" dirty="0"/>
-              <a:t>in week 2 </a:t>
-            </a:r>
-            <a:r>
-              <a:rPr lang="en-US" dirty="0" smtClean="0"/>
-              <a:t>and </a:t>
-            </a:r>
-            <a:r>
-              <a:rPr lang="en-US" dirty="0"/>
-              <a:t>re-captured </a:t>
-            </a:r>
-            <a:r>
-              <a:rPr lang="en-US" dirty="0" smtClean="0"/>
-              <a:t>in </a:t>
-            </a:r>
-            <a:r>
-              <a:rPr lang="en-US" dirty="0"/>
-              <a:t>weeks 7 </a:t>
-            </a:r>
-            <a:r>
-              <a:rPr lang="en-US" dirty="0" smtClean="0"/>
-              <a:t>&amp; 8?</a:t>
-            </a:r>
-            <a:endParaRPr lang="en-US" dirty="0"/>
-          </a:p>
-          <a:p>
-            <a:pPr lvl="1"/>
-            <a:endParaRPr lang="en-US" sz="2400" dirty="0" smtClean="0"/>
-          </a:p>
-          <a:p>
-            <a:pPr lvl="1"/>
-            <a:r>
-              <a:rPr lang="en-US" dirty="0" smtClean="0"/>
-              <a:t>marked </a:t>
-            </a:r>
-            <a:r>
-              <a:rPr lang="en-US" dirty="0"/>
-              <a:t>in week 3 and then not seen again</a:t>
-            </a:r>
-            <a:r>
-              <a:rPr lang="en-US" dirty="0" smtClean="0"/>
-              <a:t>?</a:t>
-            </a:r>
-          </a:p>
-          <a:p>
-            <a:pPr lvl="1"/>
-            <a:endParaRPr lang="en-US" sz="2400" dirty="0" smtClean="0"/>
-          </a:p>
-          <a:p>
-            <a:pPr lvl="1"/>
-            <a:r>
-              <a:rPr lang="en-US" dirty="0" smtClean="0"/>
-              <a:t>marked </a:t>
-            </a:r>
-            <a:r>
-              <a:rPr lang="en-US" dirty="0"/>
-              <a:t>in the first week, captured again in week 3, and captured again in week 5 but </a:t>
-            </a:r>
-            <a:r>
-              <a:rPr lang="en-US" dirty="0" smtClean="0"/>
-              <a:t>not again?</a:t>
-            </a:r>
-            <a:endParaRPr lang="en-US" dirty="0"/>
-          </a:p>
-        </p:txBody>
-      </p:sp>
-    </p:spTree>
-    <p:extLst>
-      <p:ext uri="{BB962C8B-B14F-4D97-AF65-F5344CB8AC3E}">
-        <p14:creationId xmlns:p14="http://schemas.microsoft.com/office/powerpoint/2010/main" val="739823619"/>
-      </p:ext>
-    </p:extLst>
-  </p:cSld>
-  <p:clrMapOvr>
-    <a:masterClrMapping/>
-  </p:clrMapOvr>
-  <p:timing>
-    <p:tnLst>
-      <p:par>
-        <p:cTn id="1" dur="indefinite" restart="never" nodeType="tmRoot">
-          <p:childTnLst>
-            <p:seq concurrent="1" nextAc="seek">
-              <p:cTn id="2" dur="indefinite" nodeType="mainSeq">
-                <p:childTnLst>
-                  <p:par>
-                    <p:cTn id="3" fill="hold">
-                      <p:stCondLst>
-                        <p:cond delay="indefinite"/>
-                      </p:stCondLst>
-                      <p:childTnLst>
-                        <p:par>
-                          <p:cTn id="4" fill="hold">
-                            <p:stCondLst>
-                              <p:cond delay="0"/>
-                            </p:stCondLst>
-                            <p:childTnLst>
-                              <p:par>
-                                <p:cTn id="5" presetID="1" presetClass="entr" presetSubtype="0" fill="hold" nodeType="clickEffect">
-                                  <p:stCondLst>
-                                    <p:cond delay="0"/>
-                                  </p:stCondLst>
-                                  <p:childTnLst>
-                                    <p:set>
-                                      <p:cBhvr>
-                                        <p:cTn id="6" dur="1" fill="hold">
-                                          <p:stCondLst>
-                                            <p:cond delay="0"/>
-                                          </p:stCondLst>
-                                        </p:cTn>
-                                        <p:tgtEl>
-                                          <p:spTgt spid="138243">
-                                            <p:txEl>
-                                              <p:pRg st="4" end="4"/>
-                                            </p:txEl>
-                                          </p:spTgt>
-                                        </p:tgtEl>
-                                        <p:attrNameLst>
-                                          <p:attrName>style.visibility</p:attrName>
-                                        </p:attrNameLst>
-                                      </p:cBhvr>
-                                      <p:to>
-                                        <p:strVal val="visible"/>
-                                      </p:to>
-                                    </p:set>
-                                  </p:childTnLst>
-                                </p:cTn>
-                              </p:par>
-                            </p:childTnLst>
-                          </p:cTn>
-                        </p:par>
-                      </p:childTnLst>
-                    </p:cTn>
-                  </p:par>
-                  <p:par>
-                    <p:cTn id="7" fill="hold">
-                      <p:stCondLst>
-                        <p:cond delay="indefinite"/>
-                      </p:stCondLst>
-                      <p:childTnLst>
-                        <p:par>
-                          <p:cTn id="8" fill="hold">
-                            <p:stCondLst>
-                              <p:cond delay="0"/>
-                            </p:stCondLst>
-                            <p:childTnLst>
-                              <p:par>
-                                <p:cTn id="9" presetID="1" presetClass="entr" presetSubtype="0" fill="hold" nodeType="clickEffect">
-                                  <p:stCondLst>
-                                    <p:cond delay="0"/>
-                                  </p:stCondLst>
-                                  <p:childTnLst>
-                                    <p:set>
-                                      <p:cBhvr>
-                                        <p:cTn id="10" dur="1" fill="hold">
-                                          <p:stCondLst>
-                                            <p:cond delay="0"/>
-                                          </p:stCondLst>
-                                        </p:cTn>
-                                        <p:tgtEl>
-                                          <p:spTgt spid="138243">
-                                            <p:txEl>
-                                              <p:pRg st="6" end="6"/>
-                                            </p:txEl>
-                                          </p:spTgt>
-                                        </p:tgtEl>
-                                        <p:attrNameLst>
-                                          <p:attrName>style.visibility</p:attrName>
-                                        </p:attrNameLst>
-                                      </p:cBhvr>
-                                      <p:to>
-                                        <p:strVal val="visible"/>
-                                      </p:to>
-                                    </p:set>
-                                  </p:childTnLst>
-                                </p:cTn>
-                              </p:par>
-                            </p:childTnLst>
-                          </p:cTn>
-                        </p:par>
-                      </p:childTnLst>
-                    </p:cTn>
-                  </p:par>
-                </p:childTnLst>
-              </p:cTn>
-              <p:prevCondLst>
-                <p:cond evt="onPrev" delay="0">
-                  <p:tgtEl>
-                    <p:sldTgt/>
-                  </p:tgtEl>
-                </p:cond>
-              </p:prevCondLst>
-              <p:nextCondLst>
-                <p:cond evt="onNext" delay="0">
-                  <p:tgtEl>
-                    <p:sldTgt/>
-                  </p:tgtEl>
-                </p:cond>
-              </p:nextCondLst>
-            </p:seq>
-          </p:childTnLst>
-        </p:cTn>
-      </p:par>
-    </p:tnLst>
-  </p:timing>
-</p:sld>
-</file>
-
-<file path=ppt/slides/slide17.xml><?xml version="1.0" encoding="utf-8"?>
-<p:sld xmlns:a="http://schemas.openxmlformats.org/drawingml/2006/main" xmlns:r="http://schemas.openxmlformats.org/officeDocument/2006/relationships" xmlns:p="http://schemas.openxmlformats.org/presentationml/2006/main">
-  <p:cSld>
-    <p:spTree>
-      <p:nvGrpSpPr>
-        <p:cNvPr id="1" name=""/>
-        <p:cNvGrpSpPr/>
-        <p:nvPr/>
-      </p:nvGrpSpPr>
-      <p:grpSpPr>
-        <a:xfrm>
-          <a:off x="0" y="0"/>
-          <a:ext cx="0" cy="0"/>
-          <a:chOff x="0" y="0"/>
-          <a:chExt cx="0" cy="0"/>
-        </a:xfrm>
-      </p:grpSpPr>
-      <p:sp>
-        <p:nvSpPr>
-          <p:cNvPr id="4" name="Footer Placeholder 3"/>
-          <p:cNvSpPr>
-            <a:spLocks noGrp="1"/>
-          </p:cNvSpPr>
-          <p:nvPr>
-            <p:ph type="ftr" sz="quarter" idx="10"/>
-          </p:nvPr>
-        </p:nvSpPr>
-        <p:spPr/>
-        <p:txBody>
-          <a:bodyPr/>
-          <a:lstStyle/>
-          <a:p>
-            <a:r>
-              <a:rPr lang="en-US" smtClean="0"/>
-              <a:t>Abundance</a:t>
-            </a:r>
-            <a:endParaRPr lang="en-US"/>
-          </a:p>
-        </p:txBody>
-      </p:sp>
-      <p:sp>
-        <p:nvSpPr>
-          <p:cNvPr id="5" name="Slide Number Placeholder 4"/>
-          <p:cNvSpPr>
-            <a:spLocks noGrp="1"/>
-          </p:cNvSpPr>
-          <p:nvPr>
-            <p:ph type="sldNum" sz="quarter" idx="11"/>
-          </p:nvPr>
-        </p:nvSpPr>
-        <p:spPr/>
-        <p:txBody>
-          <a:bodyPr/>
-          <a:lstStyle/>
-          <a:p>
-            <a:fld id="{A2BE36AD-FF50-4263-94F2-1E829811477C}" type="slidenum">
-              <a:rPr lang="en-US"/>
-              <a:pPr/>
-              <a:t>17</a:t>
-            </a:fld>
-            <a:endParaRPr lang="en-US"/>
-          </a:p>
-        </p:txBody>
-      </p:sp>
-      <p:sp>
-        <p:nvSpPr>
-          <p:cNvPr id="139266" name="Rectangle 2"/>
-          <p:cNvSpPr>
-            <a:spLocks noGrp="1" noChangeArrowheads="1"/>
-          </p:cNvSpPr>
-          <p:nvPr>
-            <p:ph type="title"/>
-          </p:nvPr>
-        </p:nvSpPr>
-        <p:spPr/>
-        <p:txBody>
-          <a:bodyPr/>
-          <a:lstStyle/>
-          <a:p>
-            <a:r>
-              <a:rPr lang="en-US"/>
-              <a:t>Capture History – Example #3</a:t>
-            </a:r>
-          </a:p>
-        </p:txBody>
-      </p:sp>
-      <p:sp>
-        <p:nvSpPr>
-          <p:cNvPr id="139267" name="Rectangle 3"/>
-          <p:cNvSpPr>
-            <a:spLocks noGrp="1" noChangeArrowheads="1"/>
-          </p:cNvSpPr>
-          <p:nvPr>
-            <p:ph type="body" idx="1"/>
-          </p:nvPr>
-        </p:nvSpPr>
-        <p:spPr>
-          <a:xfrm>
-            <a:off x="152400" y="914400"/>
-            <a:ext cx="8915400" cy="5791200"/>
-          </a:xfrm>
-        </p:spPr>
-        <p:txBody>
-          <a:bodyPr/>
-          <a:lstStyle/>
-          <a:p>
-            <a:r>
-              <a:rPr lang="en-US" sz="2800" dirty="0"/>
-              <a:t>Suppose </a:t>
-            </a:r>
-            <a:r>
-              <a:rPr lang="en-US" sz="2800" dirty="0" smtClean="0"/>
-              <a:t>the </a:t>
-            </a:r>
-            <a:r>
-              <a:rPr lang="en-US" sz="2800" dirty="0"/>
-              <a:t>following summary </a:t>
-            </a:r>
-            <a:r>
-              <a:rPr lang="en-US" sz="2800" dirty="0" smtClean="0"/>
-              <a:t>of </a:t>
-            </a:r>
-            <a:r>
-              <a:rPr lang="en-US" sz="2800" dirty="0"/>
-              <a:t>capture histories.</a:t>
-            </a:r>
-          </a:p>
-          <a:p>
-            <a:pPr>
-              <a:buFontTx/>
-              <a:buNone/>
-            </a:pPr>
-            <a:endParaRPr lang="en-US" sz="1000" dirty="0"/>
-          </a:p>
-          <a:p>
-            <a:pPr>
-              <a:buFontTx/>
-              <a:buNone/>
-            </a:pPr>
-            <a:r>
-              <a:rPr lang="en-US" sz="2800" b="1" dirty="0">
-                <a:solidFill>
-                  <a:schemeClr val="accent2"/>
-                </a:solidFill>
-                <a:latin typeface="Courier New" pitchFamily="49" charset="0"/>
-              </a:rPr>
-              <a:t>		</a:t>
-            </a:r>
-            <a:r>
-              <a:rPr lang="en-US" sz="2800" b="1" u="sng" dirty="0">
-                <a:solidFill>
-                  <a:schemeClr val="accent2"/>
-                </a:solidFill>
-                <a:latin typeface="Courier New" pitchFamily="49" charset="0"/>
-              </a:rPr>
-              <a:t>CH    001 010 011 100 101 110 111</a:t>
-            </a:r>
-          </a:p>
-          <a:p>
-            <a:pPr>
-              <a:buFontTx/>
-              <a:buNone/>
-            </a:pPr>
-            <a:r>
-              <a:rPr lang="en-US" sz="2800" b="1" dirty="0">
-                <a:solidFill>
-                  <a:schemeClr val="accent2"/>
-                </a:solidFill>
-                <a:latin typeface="Courier New" pitchFamily="49" charset="0"/>
-              </a:rPr>
-              <a:t>		Fish   17  20   4  19   5   8   2</a:t>
-            </a:r>
-          </a:p>
-          <a:p>
-            <a:pPr>
-              <a:buFontTx/>
-              <a:buNone/>
-            </a:pPr>
-            <a:endParaRPr lang="en-US" sz="1000" dirty="0">
-              <a:latin typeface="Courier New" pitchFamily="49" charset="0"/>
-            </a:endParaRPr>
-          </a:p>
-          <a:p>
-            <a:r>
-              <a:rPr lang="en-US" sz="2800" dirty="0"/>
-              <a:t>How many capture events? Captured fish?</a:t>
-            </a:r>
-          </a:p>
-          <a:p>
-            <a:r>
-              <a:rPr lang="en-US" sz="2800" dirty="0"/>
-              <a:t>How many fish captured in first sample and then not seen again?</a:t>
-            </a:r>
-          </a:p>
-          <a:p>
-            <a:r>
-              <a:rPr lang="en-US" sz="2800" dirty="0"/>
-              <a:t>How many fish captured in first sample and seen again?</a:t>
-            </a:r>
-          </a:p>
-          <a:p>
-            <a:r>
-              <a:rPr lang="en-US" sz="2800" dirty="0"/>
-              <a:t>How many fish were captured twice?</a:t>
-            </a:r>
-          </a:p>
-          <a:p>
-            <a:r>
-              <a:rPr lang="en-US" sz="2800" dirty="0"/>
-              <a:t>How many fish were never captured?</a:t>
-            </a:r>
-          </a:p>
-        </p:txBody>
-      </p:sp>
-    </p:spTree>
-    <p:extLst>
-      <p:ext uri="{BB962C8B-B14F-4D97-AF65-F5344CB8AC3E}">
-        <p14:creationId xmlns:p14="http://schemas.microsoft.com/office/powerpoint/2010/main" val="2910055763"/>
-      </p:ext>
-    </p:extLst>
-  </p:cSld>
-  <p:clrMapOvr>
-    <a:masterClrMapping/>
-  </p:clrMapOvr>
-  <p:timing>
-    <p:tnLst>
-      <p:par>
-        <p:cTn id="1" dur="indefinite" restart="never" nodeType="tmRoot">
-          <p:childTnLst>
-            <p:seq concurrent="1" nextAc="seek">
-              <p:cTn id="2" dur="indefinite" nodeType="mainSeq">
-                <p:childTnLst>
-                  <p:par>
-                    <p:cTn id="3" fill="hold">
-                      <p:stCondLst>
-                        <p:cond delay="indefinite"/>
-                      </p:stCondLst>
-                      <p:childTnLst>
-                        <p:par>
-                          <p:cTn id="4" fill="hold">
-                            <p:stCondLst>
-                              <p:cond delay="0"/>
-                            </p:stCondLst>
-                            <p:childTnLst>
-                              <p:par>
-                                <p:cTn id="5" presetID="1" presetClass="entr" presetSubtype="0" fill="hold" grpId="0" nodeType="clickEffect">
-                                  <p:stCondLst>
-                                    <p:cond delay="0"/>
-                                  </p:stCondLst>
-                                  <p:childTnLst>
-                                    <p:set>
-                                      <p:cBhvr>
-                                        <p:cTn id="6" dur="1" fill="hold">
-                                          <p:stCondLst>
-                                            <p:cond delay="0"/>
-                                          </p:stCondLst>
-                                        </p:cTn>
-                                        <p:tgtEl>
-                                          <p:spTgt spid="139267">
-                                            <p:txEl>
-                                              <p:pRg st="5" end="5"/>
-                                            </p:txEl>
-                                          </p:spTgt>
-                                        </p:tgtEl>
-                                        <p:attrNameLst>
-                                          <p:attrName>style.visibility</p:attrName>
-                                        </p:attrNameLst>
-                                      </p:cBhvr>
-                                      <p:to>
-                                        <p:strVal val="visible"/>
-                                      </p:to>
-                                    </p:set>
-                                  </p:childTnLst>
-                                </p:cTn>
-                              </p:par>
-                            </p:childTnLst>
-                          </p:cTn>
-                        </p:par>
-                      </p:childTnLst>
-                    </p:cTn>
-                  </p:par>
-                  <p:par>
-                    <p:cTn id="7" fill="hold">
-                      <p:stCondLst>
-                        <p:cond delay="indefinite"/>
-                      </p:stCondLst>
-                      <p:childTnLst>
-                        <p:par>
-                          <p:cTn id="8" fill="hold">
-                            <p:stCondLst>
-                              <p:cond delay="0"/>
-                            </p:stCondLst>
-                            <p:childTnLst>
-                              <p:par>
-                                <p:cTn id="9" presetID="1" presetClass="entr" presetSubtype="0" fill="hold" grpId="0" nodeType="clickEffect">
-                                  <p:stCondLst>
-                                    <p:cond delay="0"/>
-                                  </p:stCondLst>
-                                  <p:childTnLst>
-                                    <p:set>
-                                      <p:cBhvr>
-                                        <p:cTn id="10" dur="1" fill="hold">
-                                          <p:stCondLst>
-                                            <p:cond delay="0"/>
-                                          </p:stCondLst>
-                                        </p:cTn>
-                                        <p:tgtEl>
-                                          <p:spTgt spid="139267">
-                                            <p:txEl>
-                                              <p:pRg st="6" end="6"/>
-                                            </p:txEl>
-                                          </p:spTgt>
-                                        </p:tgtEl>
-                                        <p:attrNameLst>
-                                          <p:attrName>style.visibility</p:attrName>
-                                        </p:attrNameLst>
-                                      </p:cBhvr>
-                                      <p:to>
-                                        <p:strVal val="visible"/>
-                                      </p:to>
-                                    </p:set>
-                                  </p:childTnLst>
-                                </p:cTn>
-                              </p:par>
-                            </p:childTnLst>
-                          </p:cTn>
-                        </p:par>
-                      </p:childTnLst>
-                    </p:cTn>
-                  </p:par>
-                  <p:par>
-                    <p:cTn id="11" fill="hold">
-                      <p:stCondLst>
-                        <p:cond delay="indefinite"/>
-                      </p:stCondLst>
-                      <p:childTnLst>
-                        <p:par>
-                          <p:cTn id="12" fill="hold">
-                            <p:stCondLst>
-                              <p:cond delay="0"/>
-                            </p:stCondLst>
-                            <p:childTnLst>
-                              <p:par>
-                                <p:cTn id="13" presetID="1" presetClass="entr" presetSubtype="0" fill="hold" grpId="0" nodeType="clickEffect">
-                                  <p:stCondLst>
-                                    <p:cond delay="0"/>
-                                  </p:stCondLst>
-                                  <p:childTnLst>
-                                    <p:set>
-                                      <p:cBhvr>
-                                        <p:cTn id="14" dur="1" fill="hold">
-                                          <p:stCondLst>
-                                            <p:cond delay="0"/>
-                                          </p:stCondLst>
-                                        </p:cTn>
-                                        <p:tgtEl>
-                                          <p:spTgt spid="139267">
-                                            <p:txEl>
-                                              <p:pRg st="7" end="7"/>
-                                            </p:txEl>
-                                          </p:spTgt>
-                                        </p:tgtEl>
-                                        <p:attrNameLst>
-                                          <p:attrName>style.visibility</p:attrName>
-                                        </p:attrNameLst>
-                                      </p:cBhvr>
-                                      <p:to>
-                                        <p:strVal val="visible"/>
-                                      </p:to>
-                                    </p:set>
-                                  </p:childTnLst>
-                                </p:cTn>
-                              </p:par>
-                            </p:childTnLst>
-                          </p:cTn>
-                        </p:par>
-                      </p:childTnLst>
-                    </p:cTn>
-                  </p:par>
-                  <p:par>
-                    <p:cTn id="15" fill="hold">
-                      <p:stCondLst>
-                        <p:cond delay="indefinite"/>
-                      </p:stCondLst>
-                      <p:childTnLst>
-                        <p:par>
-                          <p:cTn id="16" fill="hold">
-                            <p:stCondLst>
-                              <p:cond delay="0"/>
-                            </p:stCondLst>
-                            <p:childTnLst>
-                              <p:par>
-                                <p:cTn id="17" presetID="1" presetClass="entr" presetSubtype="0" fill="hold" grpId="0" nodeType="clickEffect">
-                                  <p:stCondLst>
-                                    <p:cond delay="0"/>
-                                  </p:stCondLst>
-                                  <p:childTnLst>
-                                    <p:set>
-                                      <p:cBhvr>
-                                        <p:cTn id="18" dur="1" fill="hold">
-                                          <p:stCondLst>
-                                            <p:cond delay="0"/>
-                                          </p:stCondLst>
-                                        </p:cTn>
-                                        <p:tgtEl>
-                                          <p:spTgt spid="139267">
-                                            <p:txEl>
-                                              <p:pRg st="8" end="8"/>
-                                            </p:txEl>
-                                          </p:spTgt>
-                                        </p:tgtEl>
-                                        <p:attrNameLst>
-                                          <p:attrName>style.visibility</p:attrName>
-                                        </p:attrNameLst>
-                                      </p:cBhvr>
-                                      <p:to>
-                                        <p:strVal val="visible"/>
-                                      </p:to>
-                                    </p:set>
-                                  </p:childTnLst>
-                                </p:cTn>
-                              </p:par>
-                            </p:childTnLst>
-                          </p:cTn>
-                        </p:par>
-                      </p:childTnLst>
-                    </p:cTn>
-                  </p:par>
-                  <p:par>
-                    <p:cTn id="19" fill="hold">
-                      <p:stCondLst>
-                        <p:cond delay="indefinite"/>
-                      </p:stCondLst>
-                      <p:childTnLst>
-                        <p:par>
-                          <p:cTn id="20" fill="hold">
-                            <p:stCondLst>
-                              <p:cond delay="0"/>
-                            </p:stCondLst>
-                            <p:childTnLst>
-                              <p:par>
-                                <p:cTn id="21" presetID="1" presetClass="entr" presetSubtype="0" fill="hold" grpId="0" nodeType="clickEffect">
-                                  <p:stCondLst>
-                                    <p:cond delay="0"/>
-                                  </p:stCondLst>
-                                  <p:childTnLst>
-                                    <p:set>
-                                      <p:cBhvr>
-                                        <p:cTn id="22" dur="1" fill="hold">
-                                          <p:stCondLst>
-                                            <p:cond delay="0"/>
-                                          </p:stCondLst>
-                                        </p:cTn>
-                                        <p:tgtEl>
-                                          <p:spTgt spid="139267">
-                                            <p:txEl>
-                                              <p:pRg st="9" end="9"/>
-                                            </p:txEl>
-                                          </p:spTgt>
-                                        </p:tgtEl>
-                                        <p:attrNameLst>
-                                          <p:attrName>style.visibility</p:attrName>
-                                        </p:attrNameLst>
-                                      </p:cBhvr>
-                                      <p:to>
-                                        <p:strVal val="visible"/>
-                                      </p:to>
-                                    </p:set>
-                                  </p:childTnLst>
-                                </p:cTn>
-                              </p:par>
-                            </p:childTnLst>
-                          </p:cTn>
-                        </p:par>
-                      </p:childTnLst>
-                    </p:cTn>
-                  </p:par>
-                </p:childTnLst>
-              </p:cTn>
-              <p:prevCondLst>
-                <p:cond evt="onPrev" delay="0">
-                  <p:tgtEl>
-                    <p:sldTgt/>
-                  </p:tgtEl>
-                </p:cond>
-              </p:prevCondLst>
-              <p:nextCondLst>
-                <p:cond evt="onNext" delay="0">
-                  <p:tgtEl>
-                    <p:sldTgt/>
-                  </p:tgtEl>
-                </p:cond>
-              </p:nextCondLst>
-            </p:seq>
-          </p:childTnLst>
-        </p:cTn>
-      </p:par>
-    </p:tnLst>
-    <p:bldLst>
-      <p:bldP spid="139267" grpId="0" build="p"/>
-    </p:bldLst>
-  </p:timing>
-</p:sld>
-</file>
-
-<file path=ppt/slides/slide18.xml><?xml version="1.0" encoding="utf-8"?>
-<p:sld xmlns:a="http://schemas.openxmlformats.org/drawingml/2006/main" xmlns:r="http://schemas.openxmlformats.org/officeDocument/2006/relationships" xmlns:p="http://schemas.openxmlformats.org/presentationml/2006/main">
-  <p:cSld>
-    <p:spTree>
-      <p:nvGrpSpPr>
-        <p:cNvPr id="1" name=""/>
-        <p:cNvGrpSpPr/>
-        <p:nvPr/>
-      </p:nvGrpSpPr>
-      <p:grpSpPr>
-        <a:xfrm>
-          <a:off x="0" y="0"/>
-          <a:ext cx="0" cy="0"/>
-          <a:chOff x="0" y="0"/>
-          <a:chExt cx="0" cy="0"/>
-        </a:xfrm>
-      </p:grpSpPr>
-      <p:sp>
-        <p:nvSpPr>
-          <p:cNvPr id="4" name="Footer Placeholder 3"/>
-          <p:cNvSpPr>
-            <a:spLocks noGrp="1"/>
-          </p:cNvSpPr>
-          <p:nvPr>
-            <p:ph type="ftr" sz="quarter" idx="10"/>
-          </p:nvPr>
-        </p:nvSpPr>
-        <p:spPr/>
-        <p:txBody>
-          <a:bodyPr/>
-          <a:lstStyle/>
-          <a:p>
-            <a:r>
-              <a:rPr lang="en-US" smtClean="0"/>
-              <a:t>Abundance</a:t>
-            </a:r>
-            <a:endParaRPr lang="en-US"/>
-          </a:p>
-        </p:txBody>
-      </p:sp>
-      <p:sp>
-        <p:nvSpPr>
-          <p:cNvPr id="5" name="Slide Number Placeholder 4"/>
-          <p:cNvSpPr>
-            <a:spLocks noGrp="1"/>
-          </p:cNvSpPr>
-          <p:nvPr>
-            <p:ph type="sldNum" sz="quarter" idx="11"/>
-          </p:nvPr>
-        </p:nvSpPr>
-        <p:spPr/>
-        <p:txBody>
-          <a:bodyPr/>
-          <a:lstStyle/>
-          <a:p>
-            <a:fld id="{A5BEB2CB-A00F-458D-8A7E-AD4338500CCE}" type="slidenum">
-              <a:rPr lang="en-US"/>
-              <a:pPr/>
-              <a:t>18</a:t>
-            </a:fld>
-            <a:endParaRPr lang="en-US"/>
-          </a:p>
-        </p:txBody>
-      </p:sp>
-      <p:sp>
-        <p:nvSpPr>
-          <p:cNvPr id="135170" name="Rectangle 2"/>
-          <p:cNvSpPr>
-            <a:spLocks noGrp="1" noChangeArrowheads="1"/>
-          </p:cNvSpPr>
-          <p:nvPr>
-            <p:ph type="title"/>
-          </p:nvPr>
-        </p:nvSpPr>
-        <p:spPr/>
-        <p:txBody>
-          <a:bodyPr/>
-          <a:lstStyle/>
-          <a:p>
-            <a:r>
-              <a:rPr lang="en-US" dirty="0"/>
-              <a:t>Capture </a:t>
-            </a:r>
-            <a:r>
-              <a:rPr lang="en-US" dirty="0" smtClean="0"/>
-              <a:t>History</a:t>
-            </a:r>
-            <a:endParaRPr lang="en-US" dirty="0"/>
-          </a:p>
-        </p:txBody>
-      </p:sp>
-      <p:sp>
-        <p:nvSpPr>
-          <p:cNvPr id="135171" name="Rectangle 3"/>
-          <p:cNvSpPr>
-            <a:spLocks noGrp="1" noChangeArrowheads="1"/>
-          </p:cNvSpPr>
-          <p:nvPr>
-            <p:ph type="body" idx="1"/>
-          </p:nvPr>
-        </p:nvSpPr>
-        <p:spPr/>
-        <p:txBody>
-          <a:bodyPr/>
-          <a:lstStyle/>
-          <a:p>
-            <a:r>
-              <a:rPr lang="en-US" dirty="0" smtClean="0"/>
-              <a:t>Examine HO</a:t>
-            </a:r>
-          </a:p>
-          <a:p>
-            <a:pPr lvl="1"/>
-            <a:r>
-              <a:rPr lang="en-US" b="1" dirty="0" err="1" smtClean="0">
-                <a:solidFill>
-                  <a:srgbClr val="C00000"/>
-                </a:solidFill>
-                <a:latin typeface="Courier New" pitchFamily="49" charset="0"/>
-                <a:cs typeface="Courier New" pitchFamily="49" charset="0"/>
-              </a:rPr>
-              <a:t>capHistSum</a:t>
-            </a:r>
-            <a:r>
-              <a:rPr lang="en-US" b="1" dirty="0" smtClean="0">
-                <a:solidFill>
-                  <a:srgbClr val="C00000"/>
-                </a:solidFill>
-                <a:latin typeface="Courier New" pitchFamily="49" charset="0"/>
-                <a:cs typeface="Courier New" pitchFamily="49" charset="0"/>
-              </a:rPr>
-              <a:t>()</a:t>
-            </a:r>
-          </a:p>
-          <a:p>
-            <a:pPr lvl="1"/>
-            <a:r>
-              <a:rPr lang="en-US" b="1" dirty="0" err="1" smtClean="0">
-                <a:solidFill>
-                  <a:srgbClr val="C00000"/>
-                </a:solidFill>
-                <a:latin typeface="Courier New" pitchFamily="49" charset="0"/>
-                <a:cs typeface="Courier New" pitchFamily="49" charset="0"/>
-              </a:rPr>
-              <a:t>mrClosed</a:t>
-            </a:r>
-            <a:r>
-              <a:rPr lang="en-US" b="1" dirty="0" smtClean="0">
-                <a:solidFill>
-                  <a:srgbClr val="C00000"/>
-                </a:solidFill>
-                <a:latin typeface="Courier New" pitchFamily="49" charset="0"/>
-                <a:cs typeface="Courier New" pitchFamily="49" charset="0"/>
-              </a:rPr>
-              <a:t>()</a:t>
-            </a:r>
-          </a:p>
-          <a:p>
-            <a:pPr lvl="1"/>
-            <a:r>
-              <a:rPr lang="en-US" b="1" dirty="0" smtClean="0">
-                <a:solidFill>
-                  <a:srgbClr val="C00000"/>
-                </a:solidFill>
-                <a:latin typeface="Courier New" pitchFamily="49" charset="0"/>
-                <a:cs typeface="Courier New" pitchFamily="49" charset="0"/>
-              </a:rPr>
-              <a:t>summary()</a:t>
-            </a:r>
-          </a:p>
-          <a:p>
-            <a:pPr lvl="1"/>
-            <a:r>
-              <a:rPr lang="en-US" b="1" dirty="0" err="1" smtClean="0">
-                <a:solidFill>
-                  <a:srgbClr val="C00000"/>
-                </a:solidFill>
-                <a:latin typeface="Courier New" pitchFamily="49" charset="0"/>
-                <a:cs typeface="Courier New" pitchFamily="49" charset="0"/>
-              </a:rPr>
-              <a:t>confint</a:t>
-            </a:r>
-            <a:r>
-              <a:rPr lang="en-US" b="1" dirty="0" smtClean="0">
-                <a:solidFill>
-                  <a:srgbClr val="C00000"/>
-                </a:solidFill>
-                <a:latin typeface="Courier New" pitchFamily="49" charset="0"/>
-                <a:cs typeface="Courier New" pitchFamily="49" charset="0"/>
-              </a:rPr>
-              <a:t>()</a:t>
-            </a:r>
-          </a:p>
-          <a:p>
-            <a:pPr lvl="1"/>
-            <a:r>
-              <a:rPr lang="en-US" b="1" dirty="0" smtClean="0">
-                <a:solidFill>
-                  <a:srgbClr val="C00000"/>
-                </a:solidFill>
-                <a:latin typeface="Courier New" pitchFamily="49" charset="0"/>
-                <a:cs typeface="Courier New" pitchFamily="49" charset="0"/>
-              </a:rPr>
-              <a:t>plot()</a:t>
-            </a:r>
-          </a:p>
-          <a:p>
-            <a:pPr lvl="1"/>
-            <a:endParaRPr lang="en-US" dirty="0"/>
-          </a:p>
-        </p:txBody>
-      </p:sp>
-    </p:spTree>
-    <p:extLst>
-      <p:ext uri="{BB962C8B-B14F-4D97-AF65-F5344CB8AC3E}">
-        <p14:creationId xmlns:p14="http://schemas.microsoft.com/office/powerpoint/2010/main" val="2936255653"/>
-      </p:ext>
-    </p:extLst>
-  </p:cSld>
-  <p:clrMapOvr>
-    <a:masterClrMapping/>
-  </p:clrMapOvr>
-  <p:timing>
-    <p:tnLst>
-      <p:par>
-        <p:cTn id="1" dur="indefinite" restart="never" nodeType="tmRoot"/>
-      </p:par>
-    </p:tnLst>
   </p:timing>
 </p:sld>
 </file>
